--- a/Presentation/UpdatePre/design/Stock_Financial_Analysis_Final_With_PctChangeChart.pptx
+++ b/Presentation/UpdatePre/design/Stock_Financial_Analysis_Final_With_PctChangeChart.pptx
@@ -5,19 +5,19 @@
     <p:sldMasterId id="2147483971" r:id="rId1"/>
   </p:sldMasterIdLst>
   <p:notesMasterIdLst>
-    <p:notesMasterId r:id="rId5"/>
+    <p:notesMasterId r:id="rId4"/>
   </p:notesMasterIdLst>
   <p:sldIdLst>
     <p:sldId id="256" r:id="rId2"/>
     <p:sldId id="257" r:id="rId3"/>
-    <p:sldId id="258" r:id="rId12"/>
-    <p:sldId id="259" r:id="rId13"/>
-    <p:sldId id="260" r:id="rId14"/>
-    <p:sldId id="261" r:id="rId15"/>
-    <p:sldId id="262" r:id="rId16"/>
-    <p:sldId id="263" r:id="rId17"/>
-    <p:sldId id="264" r:id="rId18"/>
-    <p:sldId id="265" r:id="rId19"/>
+    <p:sldId id="258" r:id="rId9"/>
+    <p:sldId id="259" r:id="rId10"/>
+    <p:sldId id="260" r:id="rId11"/>
+    <p:sldId id="261" r:id="rId12"/>
+    <p:sldId id="262" r:id="rId13"/>
+    <p:sldId id="263" r:id="rId14"/>
+    <p:sldId id="264" r:id="rId15"/>
+    <p:sldId id="265" r:id="rId16"/>
   </p:sldIdLst>
   <p:sldSz cx="12192000" cy="6858000"/>
   <p:notesSz cx="6858000" cy="9144000"/>
@@ -116,6 +116,11 @@
       </a:defRPr>
     </a:lvl9pPr>
   </p:defaultTextStyle>
+  <p:extLst>
+    <p:ext uri="{EFAFB233-063F-42B5-8137-9DF3F51BA10A}">
+      <p15:sldGuideLst xmlns:p15="http://schemas.microsoft.com/office/powerpoint/2012/main"/>
+    </p:ext>
+  </p:extLst>
 </p:presentation>
 </file>
 
@@ -144,83 +149,95 @@
           </c:tx>
           <c:cat>
             <c:strRef>
-              <c:f>Sheet1!$A$2:$A$12</c:f>
+              <c:f>Sheet1!$A$2:$A$14</c:f>
               <c:strCache>
-                <c:ptCount val="11"/>
+                <c:ptCount val="13"/>
                 <c:pt idx="0">
-                  <c:v>Net Profit Margin</c:v>
+                  <c:v>current_ratio</c:v>
                 </c:pt>
                 <c:pt idx="1">
-                  <c:v>Operating Profit Margin</c:v>
+                  <c:v>quick_ratio</c:v>
                 </c:pt>
                 <c:pt idx="2">
-                  <c:v>EBITDA Margin</c:v>
+                  <c:v>immediate_liquidity_ratio</c:v>
                 </c:pt>
                 <c:pt idx="3">
-                  <c:v>ROE</c:v>
+                  <c:v>cashflow_to_sales_ratio</c:v>
                 </c:pt>
                 <c:pt idx="4">
-                  <c:v>Current Ratio</c:v>
+                  <c:v>net_profit_margin</c:v>
                 </c:pt>
                 <c:pt idx="5">
-                  <c:v>Quick Ratio</c:v>
+                  <c:v>operating_profit_margin</c:v>
                 </c:pt>
                 <c:pt idx="6">
-                  <c:v>Immediate Liquidity Ratio</c:v>
+                  <c:v>ebitda_ratio</c:v>
                 </c:pt>
                 <c:pt idx="7">
-                  <c:v>Cashflow to Sales</c:v>
+                  <c:v>roe</c:v>
                 </c:pt>
                 <c:pt idx="8">
-                  <c:v>Leverage Ratio</c:v>
+                  <c:v>roa</c:v>
                 </c:pt>
                 <c:pt idx="9">
-                  <c:v>Equity to Assets</c:v>
+                  <c:v>leverage_ratio</c:v>
                 </c:pt>
                 <c:pt idx="10">
-                  <c:v>Receivables Ratio</c:v>
+                  <c:v>equity_to_assets_ratio</c:v>
+                </c:pt>
+                <c:pt idx="11">
+                  <c:v>receivables_ratio</c:v>
+                </c:pt>
+                <c:pt idx="12">
+                  <c:v>inventory_ratio</c:v>
                 </c:pt>
               </c:strCache>
             </c:strRef>
           </c:cat>
           <c:val>
             <c:numRef>
-              <c:f>Sheet1!$B$2:$B$12</c:f>
+              <c:f>Sheet1!$B$2:$B$14</c:f>
               <c:numCache>
                 <c:formatCode>General</c:formatCode>
-                <c:ptCount val="11"/>
+                <c:ptCount val="13"/>
                 <c:pt idx="0">
-                  <c:v>0.23</c:v>
+                  <c:v>0.8673125765340832</c:v>
                 </c:pt>
                 <c:pt idx="1">
-                  <c:v>0.21</c:v>
+                  <c:v>0.8260068483831466</c:v>
                 </c:pt>
                 <c:pt idx="2">
-                  <c:v>0.31</c:v>
+                  <c:v>0.36946686924577077</c:v>
                 </c:pt>
                 <c:pt idx="3">
-                  <c:v>0.4</c:v>
+                  <c:v>0.3024128274962599</c:v>
                 </c:pt>
                 <c:pt idx="4">
-                  <c:v>1.6</c:v>
+                  <c:v>0.23971255769943867</c:v>
                 </c:pt>
                 <c:pt idx="5">
-                  <c:v>1.3</c:v>
+                  <c:v>0.31510222870075566</c:v>
                 </c:pt>
                 <c:pt idx="6">
-                  <c:v>1.2</c:v>
+                  <c:v>0.3443707085043538</c:v>
                 </c:pt>
                 <c:pt idx="7">
-                  <c:v>0.25</c:v>
+                  <c:v>1.6459350307287095</c:v>
                 </c:pt>
                 <c:pt idx="8">
-                  <c:v>0.43</c:v>
+                  <c:v>0.33759658063455533</c:v>
                 </c:pt>
                 <c:pt idx="9">
-                  <c:v>0.57</c:v>
+                  <c:v>0.014518439180621167</c:v>
                 </c:pt>
                 <c:pt idx="10">
-                  <c:v>0.16</c:v>
+                  <c:v>0.15603594717518768</c:v>
+                </c:pt>
+                <c:pt idx="11">
+                  <c:v>0.14478997715792377</c:v>
+                </c:pt>
+                <c:pt idx="12">
+                  <c:v>0.03463717958469613</c:v>
                 </c:pt>
               </c:numCache>
             </c:numRef>
@@ -338,83 +355,41 @@
           </c:tx>
           <c:cat>
             <c:strRef>
-              <c:f>Sheet1!$A$2:$A$12</c:f>
+              <c:f>Sheet1!$A$2:$A$5</c:f>
               <c:strCache>
-                <c:ptCount val="11"/>
+                <c:ptCount val="4"/>
                 <c:pt idx="0">
-                  <c:v>Net Profit Margin</c:v>
+                  <c:v>customers_ratio</c:v>
                 </c:pt>
                 <c:pt idx="1">
-                  <c:v>Operating Profit Margin</c:v>
+                  <c:v>inventory_turnover_ratio</c:v>
                 </c:pt>
                 <c:pt idx="2">
-                  <c:v>EBITDA Margin</c:v>
+                  <c:v>inventory_days</c:v>
                 </c:pt>
                 <c:pt idx="3">
-                  <c:v>ROE</c:v>
-                </c:pt>
-                <c:pt idx="4">
-                  <c:v>Current Ratio</c:v>
-                </c:pt>
-                <c:pt idx="5">
-                  <c:v>Quick Ratio</c:v>
-                </c:pt>
-                <c:pt idx="6">
-                  <c:v>Immediate Liquidity Ratio</c:v>
-                </c:pt>
-                <c:pt idx="7">
-                  <c:v>Cashflow to Sales</c:v>
-                </c:pt>
-                <c:pt idx="8">
-                  <c:v>Leverage Ratio</c:v>
-                </c:pt>
-                <c:pt idx="9">
-                  <c:v>Equity to Assets</c:v>
-                </c:pt>
-                <c:pt idx="10">
-                  <c:v>Receivables Ratio</c:v>
+                  <c:v>payables_days</c:v>
                 </c:pt>
               </c:strCache>
             </c:strRef>
           </c:cat>
           <c:val>
             <c:numRef>
-              <c:f>Sheet1!$B$2:$B$12</c:f>
+              <c:f>Sheet1!$B$2:$B$5</c:f>
               <c:numCache>
                 <c:formatCode>General</c:formatCode>
-                <c:ptCount val="11"/>
+                <c:ptCount val="4"/>
                 <c:pt idx="0">
-                  <c:v>0.23</c:v>
+                  <c:v>25.09783645615477</c:v>
                 </c:pt>
                 <c:pt idx="1">
-                  <c:v>0.21</c:v>
+                  <c:v>28.870710952511665</c:v>
                 </c:pt>
                 <c:pt idx="2">
-                  <c:v>0.31</c:v>
+                  <c:v>11.814018882634821</c:v>
                 </c:pt>
                 <c:pt idx="3">
-                  <c:v>0.4</c:v>
-                </c:pt>
-                <c:pt idx="4">
-                  <c:v>1.6</c:v>
-                </c:pt>
-                <c:pt idx="5">
-                  <c:v>1.3</c:v>
-                </c:pt>
-                <c:pt idx="6">
-                  <c:v>1.2</c:v>
-                </c:pt>
-                <c:pt idx="7">
-                  <c:v>0.25</c:v>
-                </c:pt>
-                <c:pt idx="8">
-                  <c:v>0.43</c:v>
-                </c:pt>
-                <c:pt idx="9">
-                  <c:v>0.57</c:v>
-                </c:pt>
-                <c:pt idx="10">
-                  <c:v>0.16</c:v>
+                  <c:v>97.56421105136593</c:v>
                 </c:pt>
               </c:numCache>
             </c:numRef>
@@ -455,9 +430,7 @@
       </c:catAx>
       <c:valAx>
         <c:axId val="-2113994440"/>
-        <c:scaling>
-          <c:max val="2.0"/>
-        </c:scaling>
+        <c:scaling/>
         <c:delete val="0"/>
         <c:axPos val="l"/>
         <c:majorGridlines>
@@ -513,294 +486,6 @@
   <c:chart>
     <c:autoTitleDeleted val="0"/>
     <c:plotArea>
-      <c:barChart>
-        <c:barDir val="col"/>
-        <c:grouping val="clustered"/>
-        <c:ser>
-          <c:idx val="0"/>
-          <c:order val="0"/>
-          <c:tx>
-            <c:strRef>
-              <c:f>Sheet1!$B$1</c:f>
-              <c:strCache>
-                <c:ptCount val="1"/>
-                <c:pt idx="0">
-                  <c:v/>
-                </c:pt>
-              </c:strCache>
-            </c:strRef>
-          </c:tx>
-          <c:cat>
-            <c:strRef>
-              <c:f>Sheet1!$A$2:$A$4</c:f>
-              <c:strCache>
-                <c:ptCount val="3"/>
-                <c:pt idx="0">
-                  <c:v>Inventory Turnover</c:v>
-                </c:pt>
-                <c:pt idx="1">
-                  <c:v>DSO (Days Sales Outstanding)</c:v>
-                </c:pt>
-                <c:pt idx="2">
-                  <c:v>Payables Days</c:v>
-                </c:pt>
-              </c:strCache>
-            </c:strRef>
-          </c:cat>
-          <c:val>
-            <c:numRef>
-              <c:f>Sheet1!$B$2:$B$4</c:f>
-              <c:numCache>
-                <c:formatCode>General</c:formatCode>
-                <c:ptCount val="3"/>
-                <c:pt idx="0">
-                  <c:v>5.5</c:v>
-                </c:pt>
-                <c:pt idx="1">
-                  <c:v>48</c:v>
-                </c:pt>
-                <c:pt idx="2">
-                  <c:v>62</c:v>
-                </c:pt>
-              </c:numCache>
-            </c:numRef>
-          </c:val>
-        </c:ser>
-        <c:axId val="-2068027336"/>
-        <c:axId val="-2113994440"/>
-      </c:barChart>
-      <c:catAx>
-        <c:axId val="-2068027336"/>
-        <c:scaling>
-          <c:orientation val="minMax"/>
-        </c:scaling>
-        <c:delete val="0"/>
-        <c:axPos val="b"/>
-        <c:majorTickMark val="out"/>
-        <c:minorTickMark val="none"/>
-        <c:tickLblPos val="nextTo"/>
-        <c:txPr>
-          <a:bodyPr/>
-          <a:lstStyle/>
-          <a:p>
-            <a:pPr>
-              <a:defRPr sz="1200">
-                <a:solidFill>
-                  <a:srgbClr val="0A0A0A"/>
-                </a:solidFill>
-              </a:defRPr>
-            </a:pPr>
-          </a:p>
-        </c:txPr>
-        <c:crossAx val="-2113994440"/>
-        <c:crosses val="autoZero"/>
-        <c:auto val="1"/>
-        <c:lblAlgn val="ctr"/>
-        <c:lblOffset val="100"/>
-        <c:noMultiLvlLbl val="0"/>
-      </c:catAx>
-      <c:valAx>
-        <c:axId val="-2113994440"/>
-        <c:scaling/>
-        <c:delete val="0"/>
-        <c:axPos val="l"/>
-        <c:majorGridlines>
-          <c:spPr>
-            <a:ln w="9525">
-              <a:solidFill>
-                <a:srgbClr val="C8C8C8"/>
-              </a:solidFill>
-            </a:ln>
-          </c:spPr>
-        </c:majorGridlines>
-        <c:majorTickMark val="out"/>
-        <c:minorTickMark val="none"/>
-        <c:tickLblPos val="nextTo"/>
-        <c:txPr>
-          <a:bodyPr/>
-          <a:lstStyle/>
-          <a:p>
-            <a:pPr>
-              <a:defRPr sz="1200">
-                <a:solidFill>
-                  <a:srgbClr val="0A0A0A"/>
-                </a:solidFill>
-              </a:defRPr>
-            </a:pPr>
-          </a:p>
-        </c:txPr>
-        <c:crossAx val="-2068027336"/>
-        <c:crosses val="autoZero"/>
-      </c:valAx>
-    </c:plotArea>
-    <c:dispBlanksAs val="gap"/>
-  </c:chart>
-  <c:txPr>
-    <a:bodyPr/>
-    <a:lstStyle/>
-    <a:p>
-      <a:pPr>
-        <a:defRPr sz="1800"/>
-      </a:pPr>
-      <a:endParaRPr lang="en-US"/>
-    </a:p>
-  </c:txPr>
-  <c:externalData r:id="rId1">
-    <c:autoUpdate val="0"/>
-  </c:externalData>
-</c:chartSpace>
-</file>
-
-<file path=ppt/charts/chart4.xml><?xml version="1.0" encoding="utf-8"?>
-<c:chartSpace xmlns:c="http://schemas.openxmlformats.org/drawingml/2006/chart" xmlns:a="http://schemas.openxmlformats.org/drawingml/2006/main" xmlns:r="http://schemas.openxmlformats.org/officeDocument/2006/relationships">
-  <c:date1904 val="0"/>
-  <c:chart>
-    <c:autoTitleDeleted val="0"/>
-    <c:plotArea>
-      <c:barChart>
-        <c:barDir val="col"/>
-        <c:grouping val="clustered"/>
-        <c:ser>
-          <c:idx val="0"/>
-          <c:order val="0"/>
-          <c:tx>
-            <c:strRef>
-              <c:f>Sheet1!$B$1</c:f>
-              <c:strCache>
-                <c:ptCount val="1"/>
-                <c:pt idx="0">
-                  <c:v/>
-                </c:pt>
-              </c:strCache>
-            </c:strRef>
-          </c:tx>
-          <c:cat>
-            <c:strRef>
-              <c:f>Sheet1!$A$2:$A$4</c:f>
-              <c:strCache>
-                <c:ptCount val="3"/>
-                <c:pt idx="0">
-                  <c:v>Inventory Turnover</c:v>
-                </c:pt>
-                <c:pt idx="1">
-                  <c:v>DSO (Days Sales Outstanding)</c:v>
-                </c:pt>
-                <c:pt idx="2">
-                  <c:v>Payables Days</c:v>
-                </c:pt>
-              </c:strCache>
-            </c:strRef>
-          </c:cat>
-          <c:val>
-            <c:numRef>
-              <c:f>Sheet1!$B$2:$B$4</c:f>
-              <c:numCache>
-                <c:formatCode>General</c:formatCode>
-                <c:ptCount val="3"/>
-                <c:pt idx="0">
-                  <c:v>5.5</c:v>
-                </c:pt>
-                <c:pt idx="1">
-                  <c:v>48</c:v>
-                </c:pt>
-                <c:pt idx="2">
-                  <c:v>62</c:v>
-                </c:pt>
-              </c:numCache>
-            </c:numRef>
-          </c:val>
-        </c:ser>
-        <c:axId val="-2068027336"/>
-        <c:axId val="-2113994440"/>
-      </c:barChart>
-      <c:catAx>
-        <c:axId val="-2068027336"/>
-        <c:scaling>
-          <c:orientation val="minMax"/>
-        </c:scaling>
-        <c:delete val="0"/>
-        <c:axPos val="b"/>
-        <c:majorTickMark val="out"/>
-        <c:minorTickMark val="none"/>
-        <c:tickLblPos val="nextTo"/>
-        <c:txPr>
-          <a:bodyPr/>
-          <a:lstStyle/>
-          <a:p>
-            <a:pPr>
-              <a:defRPr sz="1200">
-                <a:solidFill>
-                  <a:srgbClr val="0A0A0A"/>
-                </a:solidFill>
-              </a:defRPr>
-            </a:pPr>
-          </a:p>
-        </c:txPr>
-        <c:crossAx val="-2113994440"/>
-        <c:crosses val="autoZero"/>
-        <c:auto val="1"/>
-        <c:lblAlgn val="ctr"/>
-        <c:lblOffset val="100"/>
-        <c:noMultiLvlLbl val="0"/>
-      </c:catAx>
-      <c:valAx>
-        <c:axId val="-2113994440"/>
-        <c:scaling/>
-        <c:delete val="0"/>
-        <c:axPos val="l"/>
-        <c:majorGridlines>
-          <c:spPr>
-            <a:ln w="9525">
-              <a:solidFill>
-                <a:srgbClr val="C8C8C8"/>
-              </a:solidFill>
-            </a:ln>
-          </c:spPr>
-        </c:majorGridlines>
-        <c:majorTickMark val="out"/>
-        <c:minorTickMark val="none"/>
-        <c:tickLblPos val="nextTo"/>
-        <c:txPr>
-          <a:bodyPr/>
-          <a:lstStyle/>
-          <a:p>
-            <a:pPr>
-              <a:defRPr sz="1200">
-                <a:solidFill>
-                  <a:srgbClr val="0A0A0A"/>
-                </a:solidFill>
-              </a:defRPr>
-            </a:pPr>
-          </a:p>
-        </c:txPr>
-        <c:crossAx val="-2068027336"/>
-        <c:crosses val="autoZero"/>
-      </c:valAx>
-    </c:plotArea>
-    <c:dispBlanksAs val="gap"/>
-  </c:chart>
-  <c:txPr>
-    <a:bodyPr/>
-    <a:lstStyle/>
-    <a:p>
-      <a:pPr>
-        <a:defRPr sz="1800"/>
-      </a:pPr>
-      <a:endParaRPr lang="en-US"/>
-    </a:p>
-  </c:txPr>
-  <c:externalData r:id="rId1">
-    <c:autoUpdate val="0"/>
-  </c:externalData>
-</c:chartSpace>
-</file>
-
-<file path=ppt/charts/chart5.xml><?xml version="1.0" encoding="utf-8"?>
-<c:chartSpace xmlns:c="http://schemas.openxmlformats.org/drawingml/2006/chart" xmlns:a="http://schemas.openxmlformats.org/drawingml/2006/main" xmlns:r="http://schemas.openxmlformats.org/officeDocument/2006/relationships">
-  <c:date1904 val="0"/>
-  <c:chart>
-    <c:autoTitleDeleted val="0"/>
-    <c:plotArea>
       <c:lineChart>
         <c:grouping val="standard"/>
         <c:varyColors val="0"/>
@@ -824,16 +509,16 @@
               <c:strCache>
                 <c:ptCount val="4"/>
                 <c:pt idx="0">
-                  <c:v>2020</c:v>
+                  <c:v>2021</c:v>
                 </c:pt>
                 <c:pt idx="1">
-                  <c:v>2021</c:v>
+                  <c:v>2022</c:v>
                 </c:pt>
                 <c:pt idx="2">
-                  <c:v>2022</c:v>
+                  <c:v>2023</c:v>
                 </c:pt>
                 <c:pt idx="3">
-                  <c:v>2023</c:v>
+                  <c:v>2024</c:v>
                 </c:pt>
               </c:strCache>
             </c:strRef>
@@ -848,13 +533,13 @@
                   <c:v>0.0</c:v>
                 </c:pt>
                 <c:pt idx="1">
-                  <c:v>10.0</c:v>
+                  <c:v>-1.98</c:v>
                 </c:pt>
                 <c:pt idx="2">
-                  <c:v>11.8</c:v>
+                  <c:v>0.42</c:v>
                 </c:pt>
                 <c:pt idx="3">
-                  <c:v>11.87</c:v>
+                  <c:v>-2.2</c:v>
                 </c:pt>
               </c:numCache>
             </c:numRef>
@@ -881,16 +566,16 @@
               <c:strCache>
                 <c:ptCount val="4"/>
                 <c:pt idx="0">
-                  <c:v>2020</c:v>
+                  <c:v>2021</c:v>
                 </c:pt>
                 <c:pt idx="1">
-                  <c:v>2021</c:v>
+                  <c:v>2022</c:v>
                 </c:pt>
                 <c:pt idx="2">
-                  <c:v>2022</c:v>
+                  <c:v>2023</c:v>
                 </c:pt>
                 <c:pt idx="3">
-                  <c:v>2023</c:v>
+                  <c:v>2024</c:v>
                 </c:pt>
               </c:strCache>
             </c:strRef>
@@ -905,13 +590,13 @@
                   <c:v>0.0</c:v>
                 </c:pt>
                 <c:pt idx="1">
-                  <c:v>25.0</c:v>
+                  <c:v>3.48</c:v>
                 </c:pt>
                 <c:pt idx="2">
-                  <c:v>18.32</c:v>
+                  <c:v>3.19</c:v>
                 </c:pt>
                 <c:pt idx="3">
-                  <c:v>16.96</c:v>
+                  <c:v>0.33</c:v>
                 </c:pt>
               </c:numCache>
             </c:numRef>
@@ -938,16 +623,16 @@
               <c:strCache>
                 <c:ptCount val="4"/>
                 <c:pt idx="0">
-                  <c:v>2020</c:v>
+                  <c:v>2021</c:v>
                 </c:pt>
                 <c:pt idx="1">
-                  <c:v>2021</c:v>
+                  <c:v>2022</c:v>
                 </c:pt>
                 <c:pt idx="2">
-                  <c:v>2022</c:v>
+                  <c:v>2023</c:v>
                 </c:pt>
                 <c:pt idx="3">
-                  <c:v>2023</c:v>
+                  <c:v>2024</c:v>
                 </c:pt>
               </c:strCache>
             </c:strRef>
@@ -962,13 +647,13 @@
                   <c:v>0.0</c:v>
                 </c:pt>
                 <c:pt idx="1">
-                  <c:v>22.22</c:v>
+                  <c:v>-7.24</c:v>
                 </c:pt>
                 <c:pt idx="2">
-                  <c:v>20.19</c:v>
+                  <c:v>-1.55</c:v>
                 </c:pt>
                 <c:pt idx="3">
-                  <c:v>15.87</c:v>
+                  <c:v>-4.02</c:v>
                 </c:pt>
               </c:numCache>
             </c:numRef>
@@ -995,16 +680,16 @@
               <c:strCache>
                 <c:ptCount val="4"/>
                 <c:pt idx="0">
-                  <c:v>2020</c:v>
+                  <c:v>2021</c:v>
                 </c:pt>
                 <c:pt idx="1">
-                  <c:v>2021</c:v>
+                  <c:v>2022</c:v>
                 </c:pt>
                 <c:pt idx="2">
-                  <c:v>2022</c:v>
+                  <c:v>2023</c:v>
                 </c:pt>
                 <c:pt idx="3">
-                  <c:v>2023</c:v>
+                  <c:v>2024</c:v>
                 </c:pt>
               </c:strCache>
             </c:strRef>
@@ -1019,13 +704,13 @@
                   <c:v>0.0</c:v>
                 </c:pt>
                 <c:pt idx="1">
-                  <c:v>6.67</c:v>
+                  <c:v>-3.4</c:v>
                 </c:pt>
                 <c:pt idx="2">
-                  <c:v>-3.39</c:v>
+                  <c:v>-1.69</c:v>
                 </c:pt>
                 <c:pt idx="3">
-                  <c:v>10.06</c:v>
+                  <c:v>-1.29</c:v>
                 </c:pt>
               </c:numCache>
             </c:numRef>
@@ -1052,16 +737,16 @@
               <c:strCache>
                 <c:ptCount val="4"/>
                 <c:pt idx="0">
-                  <c:v>2020</c:v>
+                  <c:v>2021</c:v>
                 </c:pt>
                 <c:pt idx="1">
-                  <c:v>2021</c:v>
+                  <c:v>2022</c:v>
                 </c:pt>
                 <c:pt idx="2">
-                  <c:v>2022</c:v>
+                  <c:v>2023</c:v>
                 </c:pt>
                 <c:pt idx="3">
-                  <c:v>2023</c:v>
+                  <c:v>2024</c:v>
                 </c:pt>
               </c:strCache>
             </c:strRef>
@@ -1076,13 +761,13 @@
                   <c:v>0.0</c:v>
                 </c:pt>
                 <c:pt idx="1">
-                  <c:v>6.25</c:v>
+                  <c:v>-17.62</c:v>
                 </c:pt>
                 <c:pt idx="2">
-                  <c:v>6.07</c:v>
+                  <c:v>-6.57</c:v>
                 </c:pt>
                 <c:pt idx="3">
-                  <c:v>5.9</c:v>
+                  <c:v>-10.73</c:v>
                 </c:pt>
               </c:numCache>
             </c:numRef>
@@ -1109,16 +794,16 @@
               <c:strCache>
                 <c:ptCount val="4"/>
                 <c:pt idx="0">
-                  <c:v>2020</c:v>
+                  <c:v>2021</c:v>
                 </c:pt>
                 <c:pt idx="1">
-                  <c:v>2021</c:v>
+                  <c:v>2022</c:v>
                 </c:pt>
                 <c:pt idx="2">
-                  <c:v>2022</c:v>
+                  <c:v>2023</c:v>
                 </c:pt>
                 <c:pt idx="3">
-                  <c:v>2023</c:v>
+                  <c:v>2024</c:v>
                 </c:pt>
               </c:strCache>
             </c:strRef>
@@ -1133,13 +818,13 @@
                   <c:v>0.0</c:v>
                 </c:pt>
                 <c:pt idx="1">
-                  <c:v>12.5</c:v>
+                  <c:v>-8.48</c:v>
                 </c:pt>
                 <c:pt idx="2">
-                  <c:v>17.26</c:v>
+                  <c:v>1.2</c:v>
                 </c:pt>
                 <c:pt idx="3">
-                  <c:v>16.04</c:v>
+                  <c:v>-5.11</c:v>
                 </c:pt>
               </c:numCache>
             </c:numRef>
@@ -1241,7 +926,7 @@
 </c:chartSpace>
 </file>
 
-<file path=ppt/charts/chart6.xml><?xml version="1.0" encoding="utf-8"?>
+<file path=ppt/charts/chart4.xml><?xml version="1.0" encoding="utf-8"?>
 <c:chartSpace xmlns:c="http://schemas.openxmlformats.org/drawingml/2006/chart" xmlns:a="http://schemas.openxmlformats.org/drawingml/2006/main" xmlns:r="http://schemas.openxmlformats.org/officeDocument/2006/relationships">
   <c:date1904 val="0"/>
   <c:roundedCorners val="0"/>
@@ -1289,6 +974,28 @@
               </a:solidFill>
             </c:spPr>
           </c:dPt>
+          <c:dLbls>
+            <c:txPr>
+              <a:bodyPr/>
+              <a:lstStyle/>
+              <a:p>
+                <a:pPr>
+                  <a:defRPr sz="1400">
+                    <a:solidFill>
+                      <a:srgbClr val="000000"/>
+                    </a:solidFill>
+                  </a:defRPr>
+                </a:pPr>
+              </a:p>
+            </c:txPr>
+            <c:showLegendKey val="0"/>
+            <c:showVal val="0"/>
+            <c:showCatName val="0"/>
+            <c:showSerName val="0"/>
+            <c:showPercent val="1"/>
+            <c:showBubbleSize val="0"/>
+            <c:showLeaderLines val="1"/>
+          </c:dLbls>
           <c:cat>
             <c:strRef>
               <c:f>Sheet1!$A$2:$A$4</c:f>
@@ -1372,7 +1079,7 @@
 </c:chartSpace>
 </file>
 
-<file path=ppt/charts/chart7.xml><?xml version="1.0" encoding="utf-8"?>
+<file path=ppt/charts/chart5.xml><?xml version="1.0" encoding="utf-8"?>
 <c:chartSpace xmlns:c="http://schemas.openxmlformats.org/drawingml/2006/chart" xmlns:a="http://schemas.openxmlformats.org/drawingml/2006/main" xmlns:r="http://schemas.openxmlformats.org/officeDocument/2006/relationships">
   <c:date1904 val="0"/>
   <c:chart>
@@ -1415,7 +1122,7 @@
             <c:idx val="2"/>
             <c:spPr>
               <a:solidFill>
-                <a:srgbClr val="FF0000"/>
+                <a:srgbClr val="00B050"/>
               </a:solidFill>
             </c:spPr>
           </c:dPt>
@@ -1460,7 +1167,7 @@
                   <c:v>2.4</c:v>
                 </c:pt>
                 <c:pt idx="2">
-                  <c:v>-1.1</c:v>
+                  <c:v>4</c:v>
                 </c:pt>
                 <c:pt idx="3">
                   <c:v>5.7</c:v>
@@ -1620,7 +1327,7 @@
           <a:p>
             <a:fld id="{CC9CCC50-15F3-4994-8714-66E2B92B786C}" type="datetimeFigureOut">
               <a:rPr lang="he-IL" smtClean="0"/>
-              <a:t>ל'/ניסן/תשפ"ה</a:t>
+              <a:t>ב'/אייר/תשפ"ה</a:t>
             </a:fld>
             <a:endParaRPr lang="he-IL"/>
           </a:p>
@@ -2223,7 +1930,7 @@
           <a:p>
             <a:fld id="{A0A995F2-5AAD-4ED1-A045-2BFD143C9294}" type="datetimeFigureOut">
               <a:rPr lang="he-IL" smtClean="0"/>
-              <a:t>ל'/ניסן/תשפ"ה</a:t>
+              <a:t>ב'/אייר/תשפ"ה</a:t>
             </a:fld>
             <a:endParaRPr lang="he-IL"/>
           </a:p>
@@ -3311,7 +3018,7 @@
           <a:p>
             <a:fld id="{A0A995F2-5AAD-4ED1-A045-2BFD143C9294}" type="datetimeFigureOut">
               <a:rPr lang="he-IL" smtClean="0"/>
-              <a:t>ל'/ניסן/תשפ"ה</a:t>
+              <a:t>ב'/אייר/תשפ"ה</a:t>
             </a:fld>
             <a:endParaRPr lang="he-IL"/>
           </a:p>
@@ -4291,7 +3998,7 @@
           <a:p>
             <a:fld id="{A0A995F2-5AAD-4ED1-A045-2BFD143C9294}" type="datetimeFigureOut">
               <a:rPr lang="he-IL" smtClean="0"/>
-              <a:t>ל'/ניסן/תשפ"ה</a:t>
+              <a:t>ב'/אייר/תשפ"ה</a:t>
             </a:fld>
             <a:endParaRPr lang="he-IL"/>
           </a:p>
@@ -5425,7 +5132,7 @@
           <a:p>
             <a:fld id="{A0A995F2-5AAD-4ED1-A045-2BFD143C9294}" type="datetimeFigureOut">
               <a:rPr lang="he-IL" smtClean="0"/>
-              <a:t>ל'/ניסן/תשפ"ה</a:t>
+              <a:t>ב'/אייר/תשפ"ה</a:t>
             </a:fld>
             <a:endParaRPr lang="he-IL"/>
           </a:p>
@@ -6458,7 +6165,7 @@
           <a:p>
             <a:fld id="{A0A995F2-5AAD-4ED1-A045-2BFD143C9294}" type="datetimeFigureOut">
               <a:rPr lang="he-IL" smtClean="0"/>
-              <a:t>ל'/ניסן/תשפ"ה</a:t>
+              <a:t>ב'/אייר/תשפ"ה</a:t>
             </a:fld>
             <a:endParaRPr lang="he-IL"/>
           </a:p>
@@ -7118,7 +6825,7 @@
           <a:p>
             <a:fld id="{A0A995F2-5AAD-4ED1-A045-2BFD143C9294}" type="datetimeFigureOut">
               <a:rPr lang="he-IL" smtClean="0"/>
-              <a:t>ל'/ניסן/תשפ"ה</a:t>
+              <a:t>ב'/אייר/תשפ"ה</a:t>
             </a:fld>
             <a:endParaRPr lang="he-IL"/>
           </a:p>
@@ -7979,7 +7686,7 @@
           <a:p>
             <a:fld id="{A0A995F2-5AAD-4ED1-A045-2BFD143C9294}" type="datetimeFigureOut">
               <a:rPr lang="he-IL" smtClean="0"/>
-              <a:t>ל'/ניסן/תשפ"ה</a:t>
+              <a:t>ב'/אייר/תשפ"ה</a:t>
             </a:fld>
             <a:endParaRPr lang="he-IL"/>
           </a:p>
@@ -8169,7 +7876,7 @@
           <a:p>
             <a:fld id="{A0A995F2-5AAD-4ED1-A045-2BFD143C9294}" type="datetimeFigureOut">
               <a:rPr lang="he-IL" smtClean="0"/>
-              <a:t>ל'/ניסן/תשפ"ה</a:t>
+              <a:t>ב'/אייר/תשפ"ה</a:t>
             </a:fld>
             <a:endParaRPr lang="he-IL"/>
           </a:p>
@@ -9141,7 +8848,7 @@
           <a:p>
             <a:fld id="{A0A995F2-5AAD-4ED1-A045-2BFD143C9294}" type="datetimeFigureOut">
               <a:rPr lang="he-IL" smtClean="0"/>
-              <a:t>ל'/ניסן/תשפ"ה</a:t>
+              <a:t>ב'/אייר/תשפ"ה</a:t>
             </a:fld>
             <a:endParaRPr lang="he-IL"/>
           </a:p>
@@ -9352,7 +9059,7 @@
           <a:p>
             <a:fld id="{A0A995F2-5AAD-4ED1-A045-2BFD143C9294}" type="datetimeFigureOut">
               <a:rPr lang="he-IL" smtClean="0"/>
-              <a:t>ל'/ניסן/תשפ"ה</a:t>
+              <a:t>ב'/אייר/תשפ"ה</a:t>
             </a:fld>
             <a:endParaRPr lang="he-IL"/>
           </a:p>
@@ -10386,7 +10093,7 @@
           <a:p>
             <a:fld id="{A0A995F2-5AAD-4ED1-A045-2BFD143C9294}" type="datetimeFigureOut">
               <a:rPr lang="he-IL" smtClean="0"/>
-              <a:t>ל'/ניסן/תשפ"ה</a:t>
+              <a:t>ב'/אייר/תשפ"ה</a:t>
             </a:fld>
             <a:endParaRPr lang="he-IL"/>
           </a:p>
@@ -10658,7 +10365,7 @@
           <a:p>
             <a:fld id="{A0A995F2-5AAD-4ED1-A045-2BFD143C9294}" type="datetimeFigureOut">
               <a:rPr lang="he-IL" smtClean="0"/>
-              <a:t>ל'/ניסן/תשפ"ה</a:t>
+              <a:t>ב'/אייר/תשפ"ה</a:t>
             </a:fld>
             <a:endParaRPr lang="he-IL"/>
           </a:p>
@@ -11068,7 +10775,7 @@
           <a:p>
             <a:fld id="{A0A995F2-5AAD-4ED1-A045-2BFD143C9294}" type="datetimeFigureOut">
               <a:rPr lang="he-IL" smtClean="0"/>
-              <a:t>ל'/ניסן/תשפ"ה</a:t>
+              <a:t>ב'/אייר/תשפ"ה</a:t>
             </a:fld>
             <a:endParaRPr lang="he-IL"/>
           </a:p>
@@ -11195,7 +10902,7 @@
           <a:p>
             <a:fld id="{A0A995F2-5AAD-4ED1-A045-2BFD143C9294}" type="datetimeFigureOut">
               <a:rPr lang="he-IL" smtClean="0"/>
-              <a:t>ל'/ניסן/תשפ"ה</a:t>
+              <a:t>ב'/אייר/תשפ"ה</a:t>
             </a:fld>
             <a:endParaRPr lang="he-IL"/>
           </a:p>
@@ -11290,7 +10997,7 @@
           <a:p>
             <a:fld id="{A0A995F2-5AAD-4ED1-A045-2BFD143C9294}" type="datetimeFigureOut">
               <a:rPr lang="he-IL" smtClean="0"/>
-              <a:t>ל'/ניסן/תשפ"ה</a:t>
+              <a:t>ב'/אייר/תשפ"ה</a:t>
             </a:fld>
             <a:endParaRPr lang="he-IL"/>
           </a:p>
@@ -12371,7 +12078,7 @@
           <a:p>
             <a:fld id="{A0A995F2-5AAD-4ED1-A045-2BFD143C9294}" type="datetimeFigureOut">
               <a:rPr lang="he-IL" smtClean="0"/>
-              <a:t>ל'/ניסן/תשפ"ה</a:t>
+              <a:t>ב'/אייר/תשפ"ה</a:t>
             </a:fld>
             <a:endParaRPr lang="he-IL"/>
           </a:p>
@@ -13479,7 +13186,7 @@
           <a:p>
             <a:fld id="{A0A995F2-5AAD-4ED1-A045-2BFD143C9294}" type="datetimeFigureOut">
               <a:rPr lang="he-IL" smtClean="0"/>
-              <a:t>ל'/ניסן/תשפ"ה</a:t>
+              <a:t>ב'/אייר/תשפ"ה</a:t>
             </a:fld>
             <a:endParaRPr lang="he-IL"/>
           </a:p>
@@ -14476,7 +14183,7 @@
           <a:p>
             <a:fld id="{A0A995F2-5AAD-4ED1-A045-2BFD143C9294}" type="datetimeFigureOut">
               <a:rPr lang="he-IL" smtClean="0"/>
-              <a:t>ל'/ניסן/תשפ"ה</a:t>
+              <a:t>ב'/אייר/תשפ"ה</a:t>
             </a:fld>
             <a:endParaRPr lang="he-IL"/>
           </a:p>
@@ -15069,81 +14776,67 @@
           <a:bodyPr/>
           <a:lstStyle/>
           <a:p>
-            <a:pPr algn="ctr"/>
+            <a:pPr algn="ctr">
+              <a:defRPr sz="5000" b="1">
+                <a:solidFill>
+                  <a:srgbClr val="FFFFFF"/>
+                </a:solidFill>
+              </a:defRPr>
+            </a:pPr>
             <a:r>
-              <a:rPr lang="en-US" sz="5000" b="1" cap="none" spc="0" dirty="0">
-                <a:ln w="9525">
-                  <a:solidFill>
-                    <a:schemeClr val="bg1"/>
-                  </a:solidFill>
-                  <a:prstDash val="solid"/>
-                </a:ln>
-                <a:effectLst>
-                  <a:outerShdw blurRad="12700" dist="38100" dir="2700000" algn="tl" rotWithShape="0">
-                    <a:schemeClr val="accent5">
-                      <a:lumMod val="60000"/>
-                      <a:lumOff val="40000"/>
-                    </a:schemeClr>
-                  </a:outerShdw>
-                </a:effectLst>
-              </a:rPr>
-              <a:t>Stock Financial Analysis: Apple Inc.</a:t>
+              <a:t>Stock Financial Analysis:</a:t>
             </a:r>
-            <a:endParaRPr lang="he-IL" sz="5000" b="1" cap="none" spc="0" dirty="0">
-              <a:ln w="9525">
+          </a:p>
+          <a:p>
+            <a:pPr algn="ctr">
+              <a:defRPr sz="5400" b="1">
                 <a:solidFill>
-                  <a:schemeClr val="bg1"/>
+                  <a:srgbClr val="FFFFFF"/>
                 </a:solidFill>
-                <a:prstDash val="solid"/>
-              </a:ln>
-              <a:effectLst>
-                <a:outerShdw blurRad="12700" dist="38100" dir="2700000" algn="tl" rotWithShape="0">
-                  <a:schemeClr val="accent5">
-                    <a:lumMod val="60000"/>
-                    <a:lumOff val="40000"/>
-                  </a:schemeClr>
-                </a:outerShdw>
-              </a:effectLst>
-            </a:endParaRPr>
+              </a:defRPr>
+            </a:pPr>
+            <a:r>
+              <a:t>DemoTech Inc.</a:t>
+            </a:r>
           </a:p>
         </p:txBody>
       </p:sp>
       <p:sp>
         <p:nvSpPr>
-          <p:cNvPr id="3" name="Subtitle 2">
-            <a:extLst>
-              <a:ext uri="{FF2B5EF4-FFF2-40B4-BE49-F238E27FC236}">
-                <a16:creationId xmlns:a16="http://schemas.microsoft.com/office/drawing/2014/main" id="{445C68F0-7BAA-3A69-3552-5E68B514E972}"/>
-              </a:ext>
-            </a:extLst>
-          </p:cNvPr>
-          <p:cNvSpPr>
-            <a:spLocks noGrp="1"/>
-          </p:cNvSpPr>
-          <p:nvPr>
-            <p:ph type="subTitle" idx="1"/>
-          </p:nvPr>
+          <p:cNvPr id="3" name="TextBox 2"/>
+          <p:cNvSpPr txBox="1"/>
+          <p:nvPr/>
         </p:nvSpPr>
-        <p:spPr/>
+        <p:spPr>
+          <a:xfrm>
+            <a:off x="914400" y="4846320"/>
+            <a:ext cx="7315200" cy="1097280"/>
+          </a:xfrm>
+          <a:prstGeom prst="rect">
+            <a:avLst/>
+          </a:prstGeom>
+          <a:noFill/>
+        </p:spPr>
         <p:txBody>
-          <a:bodyPr>
-            <a:normAutofit fontScale="77500" lnSpcReduction="20000"/>
+          <a:bodyPr wrap="none">
+            <a:spAutoFit/>
           </a:bodyPr>
           <a:lstStyle/>
           <a:p>
-            <a:pPr algn="ctr"/>
+            <a:pPr algn="ctr">
+              <a:defRPr sz="2400">
+                <a:solidFill>
+                  <a:srgbClr val="6699FF"/>
+                </a:solidFill>
+              </a:defRPr>
+            </a:pPr>
             <a:r>
-              <a:rPr lang="en-US" sz="3200" dirty="0"/>
-              <a:t>Presented by Yair, David and Orel</a:t>
+              <a:t>PRESENTED BY YAIR, DAVID AND OREL</a:t>
             </a:r>
-          </a:p>
-          <a:p>
-            <a:pPr algn="ctr"/>
+            <a:br/>
             <a:r>
-              <a:rPr lang="en-US" sz="3200" dirty="0"/>
-              <a:t>28/4/2025</a:t>
+              <a:t>30/04/2025</a:t>
             </a:r>
-            <a:endParaRPr lang="he-IL" sz="3200" dirty="0"/>
           </a:p>
         </p:txBody>
       </p:sp>
@@ -15375,75 +15068,119 @@
           <a:lstStyle/>
           <a:p>
             <a:r>
-              <a:rPr lang="en-US" sz="5000" dirty="0"/>
-              <a:t>Company overview</a:t>
+              <a:t>Company Overview</a:t>
             </a:r>
-            <a:endParaRPr lang="he-IL" sz="5000" dirty="0"/>
           </a:p>
         </p:txBody>
       </p:sp>
       <p:sp>
         <p:nvSpPr>
-          <p:cNvPr id="8" name="Content Placeholder 7">
-            <a:extLst>
-              <a:ext uri="{FF2B5EF4-FFF2-40B4-BE49-F238E27FC236}">
-                <a16:creationId xmlns:a16="http://schemas.microsoft.com/office/drawing/2014/main" id="{AF26D273-833F-DD7A-6C13-F5347E84A5B6}"/>
-              </a:ext>
-            </a:extLst>
-          </p:cNvPr>
-          <p:cNvSpPr>
-            <a:spLocks noGrp="1"/>
-          </p:cNvSpPr>
-          <p:nvPr>
-            <p:ph idx="1"/>
-          </p:nvPr>
+          <p:cNvPr id="3" name="TextBox 2"/>
+          <p:cNvSpPr txBox="1"/>
+          <p:nvPr/>
         </p:nvSpPr>
-        <p:spPr/>
+        <p:spPr>
+          <a:xfrm>
+            <a:off x="914400" y="2560320"/>
+            <a:ext cx="7315200" cy="4114800"/>
+          </a:xfrm>
+          <a:prstGeom prst="rect">
+            <a:avLst/>
+          </a:prstGeom>
+          <a:noFill/>
+        </p:spPr>
         <p:txBody>
-          <a:bodyPr/>
+          <a:bodyPr wrap="square">
+            <a:spAutoFit/>
+          </a:bodyPr>
           <a:lstStyle/>
           <a:p>
-            <a:pPr algn="l" rtl="0"/>
-            <a:endParaRPr lang="en-US" dirty="0"/>
-          </a:p>
-          <a:p>
-            <a:pPr algn="l" rtl="0"/>
+            <a:pPr algn="l">
+              <a:lnSpc>
+                <a:spcPts val="3600"/>
+              </a:lnSpc>
+              <a:defRPr sz="2400"/>
+            </a:pPr>
             <a:r>
-              <a:rPr lang="en-US" dirty="0"/>
-              <a:t>Company: Apple Inc.</a:t>
+              <a:t>Company: DemoTech Inc.</a:t>
             </a:r>
           </a:p>
           <a:p>
-            <a:pPr algn="l" rtl="0"/>
+            <a:pPr algn="l">
+              <a:lnSpc>
+                <a:spcPts val="3600"/>
+              </a:lnSpc>
+              <a:defRPr sz="2400"/>
+            </a:pPr>
             <a:r>
-              <a:rPr lang="en-US" dirty="0"/>
-              <a:t>Ticker: AAPL</a:t>
+              <a:t>Ticker: DMTC</a:t>
             </a:r>
           </a:p>
           <a:p>
-            <a:pPr algn="l" rtl="0"/>
+            <a:pPr algn="l">
+              <a:lnSpc>
+                <a:spcPts val="3600"/>
+              </a:lnSpc>
+              <a:defRPr sz="2400"/>
+            </a:pPr>
             <a:r>
-              <a:rPr lang="en-US" dirty="0"/>
-              <a:t>Industry: Technology</a:t>
+              <a:t>Industry: Artificial Intelligence</a:t>
             </a:r>
           </a:p>
           <a:p>
-            <a:pPr algn="l" rtl="0"/>
+            <a:pPr algn="l">
+              <a:lnSpc>
+                <a:spcPts val="3600"/>
+              </a:lnSpc>
+              <a:defRPr sz="2400"/>
+            </a:pPr>
             <a:r>
-              <a:rPr lang="en-US" dirty="0"/>
-              <a:t>Market Cap: $2.6 Trillion</a:t>
+              <a:t>Market Cap: $120 Billion</a:t>
             </a:r>
           </a:p>
           <a:p>
-            <a:pPr algn="l" rtl="0"/>
+            <a:pPr algn="l">
+              <a:lnSpc>
+                <a:spcPts val="3600"/>
+              </a:lnSpc>
+              <a:defRPr sz="2400"/>
+            </a:pPr>
             <a:r>
-              <a:rPr lang="en-US" dirty="0"/>
-              <a:t>Key Business Segments: Designs, manufactures, and markets smartphones, PCs, tablets, and wearables.</a:t>
+              <a:t>Key Business Segments:</a:t>
             </a:r>
           </a:p>
           <a:p>
-            <a:pPr algn="l" rtl="0"/>
-            <a:endParaRPr lang="he-IL" dirty="0"/>
+            <a:pPr algn="l">
+              <a:lnSpc>
+                <a:spcPts val="3600"/>
+              </a:lnSpc>
+              <a:defRPr sz="2200"/>
+            </a:pPr>
+            <a:r>
+              <a:t>• Develops AI chips and infrastructure</a:t>
+            </a:r>
+          </a:p>
+          <a:p>
+            <a:pPr algn="l">
+              <a:lnSpc>
+                <a:spcPts val="3600"/>
+              </a:lnSpc>
+              <a:defRPr sz="2200"/>
+            </a:pPr>
+            <a:r>
+              <a:t>• Provides enterprise-grade ML solutions</a:t>
+            </a:r>
+          </a:p>
+          <a:p>
+            <a:pPr algn="l">
+              <a:lnSpc>
+                <a:spcPts val="3600"/>
+              </a:lnSpc>
+              <a:defRPr sz="2200"/>
+            </a:pPr>
+            <a:r>
+              <a:t>• Partners with cloud providers for global expansion</a:t>
+            </a:r>
           </a:p>
         </p:txBody>
       </p:sp>
@@ -15461,150 +15198,6 @@
 </file>
 
 <file path=ppt/slides/slide3.xml><?xml version="1.0" encoding="utf-8"?>
-<p:sld xmlns:a="http://schemas.openxmlformats.org/drawingml/2006/main" xmlns:p="http://schemas.openxmlformats.org/presentationml/2006/main" xmlns:r="http://schemas.openxmlformats.org/officeDocument/2006/relationships">
-  <p:cSld>
-    <p:bg>
-      <p:bgPr>
-        <a:solidFill>
-          <a:srgbClr val="FFFFFF"/>
-        </a:solidFill>
-        <a:effectLst/>
-      </p:bgPr>
-    </p:bg>
-    <p:spTree>
-      <p:nvGrpSpPr>
-        <p:cNvPr id="1" name=""/>
-        <p:cNvGrpSpPr/>
-        <p:nvPr/>
-      </p:nvGrpSpPr>
-      <p:grpSpPr/>
-      <p:sp>
-        <p:nvSpPr>
-          <p:cNvPr id="2" name="Title 1"/>
-          <p:cNvSpPr>
-            <a:spLocks noGrp="1"/>
-          </p:cNvSpPr>
-          <p:nvPr>
-            <p:ph type="title"/>
-          </p:nvPr>
-        </p:nvSpPr>
-        <p:spPr/>
-        <p:txBody>
-          <a:bodyPr/>
-          <a:lstStyle/>
-          <a:p>
-            <a:pPr>
-              <a:defRPr sz="4400" b="1">
-                <a:solidFill>
-                  <a:srgbClr val="FFFFFF"/>
-                </a:solidFill>
-              </a:defRPr>
-            </a:pPr>
-            <a:r>
-              <a:t>Financial Ratios</a:t>
-            </a:r>
-          </a:p>
-        </p:txBody>
-      </p:sp>
-      <p:graphicFrame>
-        <p:nvGraphicFramePr>
-          <p:cNvPr id="3" name="Chart 2"/>
-          <p:cNvGraphicFramePr>
-            <a:graphicFrameLocks noGrp="1"/>
-          </p:cNvGraphicFramePr>
-          <p:nvPr/>
-        </p:nvGraphicFramePr>
-        <p:xfrm>
-          <a:off x="731520" y="2011680"/>
-          <a:ext cx="7315200" cy="4114800"/>
-        </p:xfrm>
-        <a:graphic>
-          <a:graphicData uri="http://schemas.openxmlformats.org/drawingml/2006/chart">
-            <c:chart xmlns:c="http://schemas.openxmlformats.org/drawingml/2006/chart" r:id="rId2"/>
-          </a:graphicData>
-        </a:graphic>
-      </p:graphicFrame>
-    </p:spTree>
-  </p:cSld>
-  <p:clrMapOvr>
-    <a:masterClrMapping/>
-  </p:clrMapOvr>
-</p:sld>
-</file>
-
-<file path=ppt/slides/slide3.xml><?xml version="1.0" encoding="utf-8"?>
-<p:sld xmlns:a="http://schemas.openxmlformats.org/drawingml/2006/main" xmlns:p="http://schemas.openxmlformats.org/presentationml/2006/main" xmlns:r="http://schemas.openxmlformats.org/officeDocument/2006/relationships">
-  <p:cSld>
-    <p:bg>
-      <p:bgPr>
-        <a:solidFill>
-          <a:srgbClr val="FFFFFF"/>
-        </a:solidFill>
-        <a:effectLst/>
-      </p:bgPr>
-    </p:bg>
-    <p:spTree>
-      <p:nvGrpSpPr>
-        <p:cNvPr id="1" name=""/>
-        <p:cNvGrpSpPr/>
-        <p:nvPr/>
-      </p:nvGrpSpPr>
-      <p:grpSpPr/>
-      <p:sp>
-        <p:nvSpPr>
-          <p:cNvPr id="2" name="Title 1"/>
-          <p:cNvSpPr>
-            <a:spLocks noGrp="1"/>
-          </p:cNvSpPr>
-          <p:nvPr>
-            <p:ph type="title"/>
-          </p:nvPr>
-        </p:nvSpPr>
-        <p:spPr/>
-        <p:txBody>
-          <a:bodyPr/>
-          <a:lstStyle/>
-          <a:p>
-            <a:pPr>
-              <a:defRPr sz="4400" b="1">
-                <a:solidFill>
-                  <a:srgbClr val="FFFFFF"/>
-                </a:solidFill>
-              </a:defRPr>
-            </a:pPr>
-            <a:r>
-              <a:t>Financial Ratios</a:t>
-            </a:r>
-          </a:p>
-        </p:txBody>
-      </p:sp>
-      <p:graphicFrame>
-        <p:nvGraphicFramePr>
-          <p:cNvPr id="3" name="Chart 2"/>
-          <p:cNvGraphicFramePr>
-            <a:graphicFrameLocks noGrp="1"/>
-          </p:cNvGraphicFramePr>
-          <p:nvPr/>
-        </p:nvGraphicFramePr>
-        <p:xfrm>
-          <a:off x="731520" y="2011680"/>
-          <a:ext cx="7315200" cy="4114800"/>
-        </p:xfrm>
-        <a:graphic>
-          <a:graphicData uri="http://schemas.openxmlformats.org/drawingml/2006/chart">
-            <c:chart xmlns:c="http://schemas.openxmlformats.org/drawingml/2006/chart" r:id="rId2"/>
-          </a:graphicData>
-        </a:graphic>
-      </p:graphicFrame>
-    </p:spTree>
-  </p:cSld>
-  <p:clrMapOvr>
-    <a:masterClrMapping/>
-  </p:clrMapOvr>
-</p:sld>
-</file>
-
-<file path=ppt/slides/slide4.xml><?xml version="1.0" encoding="utf-8"?>
 <p:sld xmlns:a="http://schemas.openxmlformats.org/drawingml/2006/main" xmlns:p="http://schemas.openxmlformats.org/presentationml/2006/main" xmlns:r="http://schemas.openxmlformats.org/officeDocument/2006/relationships">
   <p:cSld>
     <p:bg>
